--- a/概要设计/高软3.pptx
+++ b/概要设计/高软3.pptx
@@ -4042,20 +4042,7 @@
                 <a:latin typeface="微软雅黑" panose="020B0503020204020204" pitchFamily="34" charset="-122"/>
                 <a:ea typeface="微软雅黑" panose="020B0503020204020204" pitchFamily="34" charset="-122"/>
               </a:rPr>
-              <a:t>小游戏第三</a:t>
-            </a:r>
-            <a:r>
-              <a:rPr lang="zh-CN" altLang="en-US" sz="4000" b="1" dirty="0" smtClean="0">
-                <a:solidFill>
-                  <a:schemeClr val="tx1">
-                    <a:lumMod val="75000"/>
-                    <a:lumOff val="25000"/>
-                  </a:schemeClr>
-                </a:solidFill>
-                <a:latin typeface="微软雅黑" panose="020B0503020204020204" pitchFamily="34" charset="-122"/>
-                <a:ea typeface="微软雅黑" panose="020B0503020204020204" pitchFamily="34" charset="-122"/>
-              </a:rPr>
-              <a:t>次大作业</a:t>
+              <a:t>小游戏第三次大作业</a:t>
             </a:r>
             <a:endParaRPr lang="zh-CN" altLang="en-US" sz="4000" b="1" dirty="0" smtClean="0">
               <a:solidFill>
@@ -4515,7 +4502,7 @@
       </p:sp>
       <p:pic>
         <p:nvPicPr>
-          <p:cNvPr id="-2147482605" name="图片 -2147482606"/>
+          <p:cNvPr id="2" name="图片 -2147482606"/>
           <p:cNvPicPr>
             <a:picLocks noChangeAspect="1"/>
           </p:cNvPicPr>
@@ -4543,7 +4530,7 @@
       </p:pic>
       <p:sp>
         <p:nvSpPr>
-          <p:cNvPr id="2" name="文本框 1"/>
+          <p:cNvPr id="3" name="文本框 2"/>
           <p:cNvSpPr txBox="1"/>
           <p:nvPr/>
         </p:nvSpPr>
@@ -5177,7 +5164,7 @@
       </p:sp>
       <p:pic>
         <p:nvPicPr>
-          <p:cNvPr id="-2147482604" name="图片 -2147482605"/>
+          <p:cNvPr id="2" name="图片 -2147482605"/>
           <p:cNvPicPr>
             <a:picLocks noChangeAspect="1"/>
           </p:cNvPicPr>
@@ -5205,7 +5192,7 @@
       </p:pic>
       <p:sp>
         <p:nvSpPr>
-          <p:cNvPr id="2" name="文本框 1"/>
+          <p:cNvPr id="3" name="文本框 2"/>
           <p:cNvSpPr txBox="1"/>
           <p:nvPr/>
         </p:nvSpPr>
@@ -5226,11 +5213,7 @@
           <a:p>
             <a:r>
               <a:rPr lang="zh-CN" altLang="en-US"/>
-              <a:t>（三</a:t>
-            </a:r>
-            <a:r>
-              <a:rPr lang="zh-CN" altLang="en-US"/>
-              <a:t>）类的精化</a:t>
+              <a:t>（三）类的精化</a:t>
             </a:r>
             <a:endParaRPr lang="zh-CN" altLang="en-US"/>
           </a:p>
@@ -6117,7 +6100,7 @@
       </p:sp>
       <p:pic>
         <p:nvPicPr>
-          <p:cNvPr id="-2147482600" name="图片 -2147482601"/>
+          <p:cNvPr id="2" name="图片 -2147482601"/>
           <p:cNvPicPr>
             <a:picLocks noChangeAspect="1"/>
           </p:cNvPicPr>
@@ -6901,7 +6884,7 @@
       </p:sp>
       <p:pic>
         <p:nvPicPr>
-          <p:cNvPr id="-2147482596" name="图片 -2147482597"/>
+          <p:cNvPr id="2" name="图片 -2147482597"/>
           <p:cNvPicPr>
             <a:picLocks noChangeAspect="1"/>
           </p:cNvPicPr>
@@ -7826,22 +7809,20 @@
               <a:t>分数信息。 对本项目的主要算法采用流程图叙述。</a:t>
             </a:r>
-            <a:r>
-              <a:rPr lang="zh-CN" b="0">
-                <a:latin typeface="Calibri" panose="020F0502020204030204" charset="0"/>
-                <a:ea typeface="宋体" panose="02010600030101010101" pitchFamily="2" charset="-122"/>
-                <a:cs typeface="Times New Roman" panose="02020603050405020304" charset="0"/>
-              </a:rPr>
-              <a:t>-</a:t>
-            </a:r>
+            <a:endParaRPr lang="zh-CN" b="0">
+              <a:latin typeface="Calibri" panose="020F0502020204030204" charset="0"/>
+              <a:ea typeface="宋体" panose="02010600030101010101" pitchFamily="2" charset="-122"/>
+              <a:cs typeface="Times New Roman" panose="02020603050405020304" charset="0"/>
+            </a:endParaRPr>
+          </a:p>
+          <a:p>
             <a:endParaRPr lang="zh-CN" altLang="en-US"/>
           </a:p>
         </p:txBody>
       </p:sp>
       <p:pic>
         <p:nvPicPr>
-          <p:cNvPr id="-2147482594" name="图片 -2147482595"/>
+          <p:cNvPr id="2" name="图片 -2147482595"/>
           <p:cNvPicPr>
             <a:picLocks noChangeAspect="1"/>
           </p:cNvPicPr>
@@ -7849,14 +7830,15 @@
         </p:nvPicPr>
         <p:blipFill>
           <a:blip r:embed="rId1"/>
+          <a:srcRect l="7833" t="14316" r="405" b="4135"/>
           <a:stretch>
             <a:fillRect/>
           </a:stretch>
         </p:blipFill>
         <p:spPr>
           <a:xfrm>
-            <a:off x="4552633" y="1006793"/>
-            <a:ext cx="3923665" cy="3885565"/>
+            <a:off x="4304030" y="1003935"/>
+            <a:ext cx="4329430" cy="3810635"/>
           </a:xfrm>
           <a:prstGeom prst="rect">
             <a:avLst/>
@@ -7869,7 +7851,7 @@
       </p:pic>
       <p:sp>
         <p:nvSpPr>
-          <p:cNvPr id="2" name="文本框 1"/>
+          <p:cNvPr id="3" name="文本框 2"/>
           <p:cNvSpPr txBox="1"/>
           <p:nvPr/>
         </p:nvSpPr>
@@ -8540,7 +8522,7 @@
       </p:sp>
       <p:pic>
         <p:nvPicPr>
-          <p:cNvPr id="-2147482588" name="图片 -2147482589"/>
+          <p:cNvPr id="2" name="图片 -2147482589"/>
           <p:cNvPicPr>
             <a:picLocks noChangeAspect="1"/>
           </p:cNvPicPr>
@@ -8548,14 +8530,15 @@
         </p:nvPicPr>
         <p:blipFill>
           <a:blip r:embed="rId1"/>
+          <a:srcRect l="9289" t="9041" r="12246" b="4675"/>
           <a:stretch>
             <a:fillRect/>
           </a:stretch>
         </p:blipFill>
         <p:spPr>
           <a:xfrm>
-            <a:off x="2922588" y="1102678"/>
-            <a:ext cx="3028315" cy="3504565"/>
+            <a:off x="2838450" y="1102995"/>
+            <a:ext cx="2930525" cy="3729355"/>
           </a:xfrm>
           <a:prstGeom prst="rect">
             <a:avLst/>
@@ -11264,17 +11247,7 @@
                 <a:latin typeface="微软雅黑" panose="020B0503020204020204" pitchFamily="34" charset="-122"/>
                 <a:ea typeface="微软雅黑" panose="020B0503020204020204" pitchFamily="34" charset="-122"/>
               </a:rPr>
-              <a:t>用户界面</a:t>
-            </a:r>
-            <a:r>
-              <a:rPr lang="zh-CN" altLang="en-US" sz="2000" dirty="0" smtClean="0">
-                <a:solidFill>
-                  <a:srgbClr val="231815"/>
-                </a:solidFill>
-                <a:latin typeface="微软雅黑" panose="020B0503020204020204" pitchFamily="34" charset="-122"/>
-                <a:ea typeface="微软雅黑" panose="020B0503020204020204" pitchFamily="34" charset="-122"/>
-              </a:rPr>
-              <a:t>设计</a:t>
+              <a:t>用户界面设计</a:t>
             </a:r>
             <a:endParaRPr lang="zh-CN" altLang="en-US" sz="2000" dirty="0" smtClean="0">
               <a:solidFill>
@@ -11386,7 +11359,7 @@
       </p:sp>
       <p:pic>
         <p:nvPicPr>
-          <p:cNvPr id="-2147482580" name="图片 -2147482581"/>
+          <p:cNvPr id="2" name="图片 -2147482581"/>
           <p:cNvPicPr>
             <a:picLocks noChangeAspect="1"/>
           </p:cNvPicPr>
@@ -11400,8 +11373,8 @@
         </p:blipFill>
         <p:spPr>
           <a:xfrm>
-            <a:off x="2324100" y="781050"/>
-            <a:ext cx="4226560" cy="4079875"/>
+            <a:off x="2100580" y="561340"/>
+            <a:ext cx="4674235" cy="4511675"/>
           </a:xfrm>
           <a:prstGeom prst="rect">
             <a:avLst/>
@@ -12930,7 +12903,7 @@
       </p:sp>
       <p:pic>
         <p:nvPicPr>
-          <p:cNvPr id="-2147482578" name="图片 -2147482579"/>
+          <p:cNvPr id="2" name="图片 -2147482579"/>
           <p:cNvPicPr>
             <a:picLocks noChangeAspect="1"/>
           </p:cNvPicPr>
@@ -13781,8 +13754,8 @@
         </p:nvSpPr>
         <p:spPr>
           <a:xfrm>
-            <a:off x="887730" y="751205"/>
-            <a:ext cx="6224270" cy="922020"/>
+            <a:off x="887095" y="668020"/>
+            <a:ext cx="7718425" cy="1014730"/>
           </a:xfrm>
           <a:prstGeom prst="rect">
             <a:avLst/>
@@ -13799,21 +13772,21 @@
           <a:p>
             <a:pPr indent="0"/>
             <a:r>
-              <a:rPr lang="en-US" altLang="zh-CN" b="0">
+              <a:rPr lang="en-US" altLang="zh-CN" sz="2000" b="0">
                 <a:latin typeface="Calibri" panose="020F0502020204030204" charset="0"/>
                 <a:ea typeface="宋体" panose="02010600030101010101" pitchFamily="2" charset="-122"/>
               </a:rPr>
               <a:t>1.</a:t>
             </a:r>
             <a:r>
-              <a:rPr lang="zh-CN" b="0">
+              <a:rPr lang="zh-CN" sz="2000" b="0">
                 <a:latin typeface="Calibri" panose="020F0502020204030204" charset="0"/>
                 <a:ea typeface="宋体" panose="02010600030101010101" pitchFamily="2" charset="-122"/>
               </a:rPr>
               <a:t>定义数据格式 本项目中需要存储数据少，只有当游戏分数改变时，会将其与历史最高分数进行比较，如果超过则将数据存储至本地。</a:t>
             </a:r>
-            <a:endParaRPr lang="zh-CN" altLang="en-US"/>
+            <a:endParaRPr lang="zh-CN" altLang="en-US" sz="2000"/>
           </a:p>
         </p:txBody>
       </p:sp>
@@ -13984,7 +13957,7 @@
         <p:spPr>
           <a:xfrm>
             <a:off x="942975" y="2971800"/>
-            <a:ext cx="7661910" cy="1476375"/>
+            <a:ext cx="7661910" cy="1938020"/>
           </a:xfrm>
           <a:prstGeom prst="rect">
             <a:avLst/>
@@ -13997,28 +13970,28 @@
           </a:bodyPr>
           <a:p>
             <a:r>
-              <a:rPr lang="en-US" altLang="zh-CN"/>
+              <a:rPr lang="en-US" altLang="zh-CN" sz="2000"/>
               <a:t>2.</a:t>
             </a:r>
             <a:r>
-              <a:rPr lang="zh-CN" altLang="en-US"/>
+              <a:rPr lang="zh-CN" altLang="en-US" sz="2000"/>
               <a:t>定义数据存取操作</a:t>
             </a:r>
-            <a:endParaRPr lang="zh-CN" altLang="en-US"/>
+            <a:endParaRPr lang="zh-CN" altLang="en-US" sz="2000"/>
           </a:p>
           <a:p>
             <a:r>
-              <a:rPr lang="zh-CN" altLang="en-US"/>
+              <a:rPr lang="zh-CN" altLang="en-US" sz="2000"/>
               <a:t>每次打开新网页时，调用本地数据库localStorage.getItem('bestScore')更新最高分数并显示。</a:t>
             </a:r>
-            <a:endParaRPr lang="zh-CN" altLang="en-US"/>
+            <a:endParaRPr lang="zh-CN" altLang="en-US" sz="2000"/>
           </a:p>
           <a:p>
             <a:r>
-              <a:rPr lang="zh-CN" altLang="en-US"/>
+              <a:rPr lang="zh-CN" altLang="en-US" sz="2000"/>
               <a:t>每次游戏进行中，如果最高分数更新，系统通过checkGameStatus()判断并将其通过localStorage.setItem('bestScore', bestScore)存至本地数据库。</a:t>
             </a:r>
-            <a:endParaRPr lang="zh-CN" altLang="en-US"/>
+            <a:endParaRPr lang="zh-CN" altLang="en-US" sz="2000"/>
           </a:p>
         </p:txBody>
       </p:sp>
@@ -14841,7 +14814,7 @@
       </p:sp>
       <p:pic>
         <p:nvPicPr>
-          <p:cNvPr id="-2147482605" name="图片 -2147482606"/>
+          <p:cNvPr id="2" name="图片 -2147482606"/>
           <p:cNvPicPr>
             <a:picLocks noChangeAspect="1"/>
           </p:cNvPicPr>
@@ -16269,7 +16242,7 @@
       </p:sp>
       <p:pic>
         <p:nvPicPr>
-          <p:cNvPr id="-2147482591" name="图片 -2147482592"/>
+          <p:cNvPr id="2" name="图片 -2147482592"/>
           <p:cNvPicPr>
             <a:picLocks noChangeAspect="1"/>
           </p:cNvPicPr>
@@ -16297,7 +16270,7 @@
       </p:pic>
       <p:sp>
         <p:nvSpPr>
-          <p:cNvPr id="2" name="文本框 1"/>
+          <p:cNvPr id="3" name="文本框 2"/>
           <p:cNvSpPr txBox="1"/>
           <p:nvPr/>
         </p:nvSpPr>
@@ -17973,8 +17946,8 @@
         </p:nvSpPr>
         <p:spPr>
           <a:xfrm>
-            <a:off x="220980" y="682625"/>
-            <a:ext cx="7018020" cy="368300"/>
+            <a:off x="127000" y="671195"/>
+            <a:ext cx="7018020" cy="398780"/>
           </a:xfrm>
           <a:prstGeom prst="rect">
             <a:avLst/>
@@ -17987,10 +17960,10 @@
           </a:bodyPr>
           <a:p>
             <a:r>
-              <a:rPr lang="zh-CN" altLang="en-US"/>
+              <a:rPr lang="zh-CN" altLang="en-US" sz="2000"/>
               <a:t>（一）提取边界类、实体类和控制类</a:t>
             </a:r>
-            <a:endParaRPr lang="zh-CN" altLang="en-US"/>
+            <a:endParaRPr lang="zh-CN" altLang="en-US" sz="2000"/>
           </a:p>
         </p:txBody>
       </p:sp>
@@ -18010,8 +17983,8 @@
         </p:blipFill>
         <p:spPr>
           <a:xfrm>
-            <a:off x="4396740" y="682625"/>
-            <a:ext cx="4006215" cy="4161790"/>
+            <a:off x="4277360" y="561340"/>
+            <a:ext cx="4372610" cy="4542790"/>
           </a:xfrm>
           <a:prstGeom prst="rect">
             <a:avLst/>
@@ -22342,7 +22315,7 @@
       </p:sp>
       <p:pic>
         <p:nvPicPr>
-          <p:cNvPr id="-2147482589" name="图片 -2147482590"/>
+          <p:cNvPr id="2" name="图片 -2147482590"/>
           <p:cNvPicPr>
             <a:picLocks noChangeAspect="1"/>
           </p:cNvPicPr>
@@ -22370,7 +22343,7 @@
       </p:pic>
       <p:sp>
         <p:nvSpPr>
-          <p:cNvPr id="2" name="文本框 1"/>
+          <p:cNvPr id="3" name="文本框 2"/>
           <p:cNvSpPr txBox="1"/>
           <p:nvPr/>
         </p:nvSpPr>
@@ -23541,11 +23514,7 @@
             </a:r>
             <a:r>
               <a:rPr lang="zh-CN" altLang="en-US"/>
-              <a:t>显示分数</a:t>
-            </a:r>
-            <a:r>
-              <a:rPr lang="zh-CN" altLang="en-US"/>
-              <a:t>用例</a:t>
+              <a:t>显示分数用例</a:t>
             </a:r>
             <a:endParaRPr lang="zh-CN" altLang="en-US"/>
           </a:p>
